--- a/GTA_AI.pptx
+++ b/GTA_AI.pptx
@@ -298,7 +298,8 @@
           <a:p>
             <a:fld id="{F4FC7E47-2FEB-4040-BCE0-A9DBF3420225}" type="datetimeFigureOut">
               <a:rPr lang="en-US" smtClean="0"/>
-              <a:t>5/28/2018</a:t>
+              <a:pPr/>
+              <a:t>5/29/2018</a:t>
             </a:fld>
             <a:endParaRPr lang="en-US"/>
           </a:p>
@@ -340,6 +341,7 @@
           <a:p>
             <a:fld id="{FACB222F-E8B9-471E-A10C-4D2203E2F4F5}" type="slidenum">
               <a:rPr lang="en-US" smtClean="0"/>
+              <a:pPr/>
               <a:t>‹#›</a:t>
             </a:fld>
             <a:endParaRPr lang="en-US"/>
@@ -463,7 +465,8 @@
           <a:p>
             <a:fld id="{F4FC7E47-2FEB-4040-BCE0-A9DBF3420225}" type="datetimeFigureOut">
               <a:rPr lang="en-US" smtClean="0"/>
-              <a:t>5/28/2018</a:t>
+              <a:pPr/>
+              <a:t>5/29/2018</a:t>
             </a:fld>
             <a:endParaRPr lang="en-US"/>
           </a:p>
@@ -505,6 +508,7 @@
           <a:p>
             <a:fld id="{FACB222F-E8B9-471E-A10C-4D2203E2F4F5}" type="slidenum">
               <a:rPr lang="en-US" smtClean="0"/>
+              <a:pPr/>
               <a:t>‹#›</a:t>
             </a:fld>
             <a:endParaRPr lang="en-US"/>
@@ -638,7 +642,8 @@
           <a:p>
             <a:fld id="{F4FC7E47-2FEB-4040-BCE0-A9DBF3420225}" type="datetimeFigureOut">
               <a:rPr lang="en-US" smtClean="0"/>
-              <a:t>5/28/2018</a:t>
+              <a:pPr/>
+              <a:t>5/29/2018</a:t>
             </a:fld>
             <a:endParaRPr lang="en-US"/>
           </a:p>
@@ -680,6 +685,7 @@
           <a:p>
             <a:fld id="{FACB222F-E8B9-471E-A10C-4D2203E2F4F5}" type="slidenum">
               <a:rPr lang="en-US" smtClean="0"/>
+              <a:pPr/>
               <a:t>‹#›</a:t>
             </a:fld>
             <a:endParaRPr lang="en-US"/>
@@ -803,7 +809,8 @@
           <a:p>
             <a:fld id="{F4FC7E47-2FEB-4040-BCE0-A9DBF3420225}" type="datetimeFigureOut">
               <a:rPr lang="en-US" smtClean="0"/>
-              <a:t>5/28/2018</a:t>
+              <a:pPr/>
+              <a:t>5/29/2018</a:t>
             </a:fld>
             <a:endParaRPr lang="en-US"/>
           </a:p>
@@ -845,6 +852,7 @@
           <a:p>
             <a:fld id="{FACB222F-E8B9-471E-A10C-4D2203E2F4F5}" type="slidenum">
               <a:rPr lang="en-US" smtClean="0"/>
+              <a:pPr/>
               <a:t>‹#›</a:t>
             </a:fld>
             <a:endParaRPr lang="en-US"/>
@@ -1044,7 +1052,8 @@
           <a:p>
             <a:fld id="{F4FC7E47-2FEB-4040-BCE0-A9DBF3420225}" type="datetimeFigureOut">
               <a:rPr lang="en-US" smtClean="0"/>
-              <a:t>5/28/2018</a:t>
+              <a:pPr/>
+              <a:t>5/29/2018</a:t>
             </a:fld>
             <a:endParaRPr lang="en-US"/>
           </a:p>
@@ -1086,6 +1095,7 @@
           <a:p>
             <a:fld id="{FACB222F-E8B9-471E-A10C-4D2203E2F4F5}" type="slidenum">
               <a:rPr lang="en-US" smtClean="0"/>
+              <a:pPr/>
               <a:t>‹#›</a:t>
             </a:fld>
             <a:endParaRPr lang="en-US"/>
@@ -1327,7 +1337,8 @@
           <a:p>
             <a:fld id="{F4FC7E47-2FEB-4040-BCE0-A9DBF3420225}" type="datetimeFigureOut">
               <a:rPr lang="en-US" smtClean="0"/>
-              <a:t>5/28/2018</a:t>
+              <a:pPr/>
+              <a:t>5/29/2018</a:t>
             </a:fld>
             <a:endParaRPr lang="en-US"/>
           </a:p>
@@ -1369,6 +1380,7 @@
           <a:p>
             <a:fld id="{FACB222F-E8B9-471E-A10C-4D2203E2F4F5}" type="slidenum">
               <a:rPr lang="en-US" smtClean="0"/>
+              <a:pPr/>
               <a:t>‹#›</a:t>
             </a:fld>
             <a:endParaRPr lang="en-US"/>
@@ -1744,7 +1756,8 @@
           <a:p>
             <a:fld id="{F4FC7E47-2FEB-4040-BCE0-A9DBF3420225}" type="datetimeFigureOut">
               <a:rPr lang="en-US" smtClean="0"/>
-              <a:t>5/28/2018</a:t>
+              <a:pPr/>
+              <a:t>5/29/2018</a:t>
             </a:fld>
             <a:endParaRPr lang="en-US"/>
           </a:p>
@@ -1786,6 +1799,7 @@
           <a:p>
             <a:fld id="{FACB222F-E8B9-471E-A10C-4D2203E2F4F5}" type="slidenum">
               <a:rPr lang="en-US" smtClean="0"/>
+              <a:pPr/>
               <a:t>‹#›</a:t>
             </a:fld>
             <a:endParaRPr lang="en-US"/>
@@ -1857,7 +1871,8 @@
           <a:p>
             <a:fld id="{F4FC7E47-2FEB-4040-BCE0-A9DBF3420225}" type="datetimeFigureOut">
               <a:rPr lang="en-US" smtClean="0"/>
-              <a:t>5/28/2018</a:t>
+              <a:pPr/>
+              <a:t>5/29/2018</a:t>
             </a:fld>
             <a:endParaRPr lang="en-US"/>
           </a:p>
@@ -1899,6 +1914,7 @@
           <a:p>
             <a:fld id="{FACB222F-E8B9-471E-A10C-4D2203E2F4F5}" type="slidenum">
               <a:rPr lang="en-US" smtClean="0"/>
+              <a:pPr/>
               <a:t>‹#›</a:t>
             </a:fld>
             <a:endParaRPr lang="en-US"/>
@@ -1947,7 +1963,8 @@
           <a:p>
             <a:fld id="{F4FC7E47-2FEB-4040-BCE0-A9DBF3420225}" type="datetimeFigureOut">
               <a:rPr lang="en-US" smtClean="0"/>
-              <a:t>5/28/2018</a:t>
+              <a:pPr/>
+              <a:t>5/29/2018</a:t>
             </a:fld>
             <a:endParaRPr lang="en-US"/>
           </a:p>
@@ -1989,6 +2006,7 @@
           <a:p>
             <a:fld id="{FACB222F-E8B9-471E-A10C-4D2203E2F4F5}" type="slidenum">
               <a:rPr lang="en-US" smtClean="0"/>
+              <a:pPr/>
               <a:t>‹#›</a:t>
             </a:fld>
             <a:endParaRPr lang="en-US"/>
@@ -2219,7 +2237,8 @@
           <a:p>
             <a:fld id="{F4FC7E47-2FEB-4040-BCE0-A9DBF3420225}" type="datetimeFigureOut">
               <a:rPr lang="en-US" smtClean="0"/>
-              <a:t>5/28/2018</a:t>
+              <a:pPr/>
+              <a:t>5/29/2018</a:t>
             </a:fld>
             <a:endParaRPr lang="en-US"/>
           </a:p>
@@ -2261,6 +2280,7 @@
           <a:p>
             <a:fld id="{FACB222F-E8B9-471E-A10C-4D2203E2F4F5}" type="slidenum">
               <a:rPr lang="en-US" smtClean="0"/>
+              <a:pPr/>
               <a:t>‹#›</a:t>
             </a:fld>
             <a:endParaRPr lang="en-US"/>
@@ -2467,7 +2487,8 @@
           <a:p>
             <a:fld id="{F4FC7E47-2FEB-4040-BCE0-A9DBF3420225}" type="datetimeFigureOut">
               <a:rPr lang="en-US" smtClean="0"/>
-              <a:t>5/28/2018</a:t>
+              <a:pPr/>
+              <a:t>5/29/2018</a:t>
             </a:fld>
             <a:endParaRPr lang="en-US"/>
           </a:p>
@@ -2509,6 +2530,7 @@
           <a:p>
             <a:fld id="{FACB222F-E8B9-471E-A10C-4D2203E2F4F5}" type="slidenum">
               <a:rPr lang="en-US" smtClean="0"/>
+              <a:pPr/>
               <a:t>‹#›</a:t>
             </a:fld>
             <a:endParaRPr lang="en-US"/>
@@ -2684,7 +2706,8 @@
           <a:p>
             <a:fld id="{F4FC7E47-2FEB-4040-BCE0-A9DBF3420225}" type="datetimeFigureOut">
               <a:rPr lang="en-US" smtClean="0"/>
-              <a:t>5/28/2018</a:t>
+              <a:pPr/>
+              <a:t>5/29/2018</a:t>
             </a:fld>
             <a:endParaRPr lang="en-US"/>
           </a:p>
@@ -2762,6 +2785,7 @@
           <a:p>
             <a:fld id="{FACB222F-E8B9-471E-A10C-4D2203E2F4F5}" type="slidenum">
               <a:rPr lang="en-US" smtClean="0"/>
+              <a:pPr/>
               <a:t>‹#›</a:t>
             </a:fld>
             <a:endParaRPr lang="en-US"/>
@@ -5212,13 +5236,10 @@
               <a:t>the different </a:t>
             </a:r>
             <a:r>
-              <a:rPr lang="en-US" sz="2400" dirty="0" err="1" smtClean="0"/>
-              <a:t>manoeuvres</a:t>
-            </a:r>
-            <a:r>
               <a:rPr lang="en-US" sz="2400" dirty="0" smtClean="0"/>
-              <a:t> </a:t>
-            </a:r>
+              <a:t>maneuvers</a:t>
+            </a:r>
+            <a:endParaRPr lang="en-US" sz="2400" dirty="0" smtClean="0"/>
           </a:p>
           <a:p>
             <a:pPr marL="914400" lvl="1" indent="-514350">
